--- a/docs/informe_final/presentación.pptx
+++ b/docs/informe_final/presentación.pptx
@@ -113,6 +113,11 @@
       </a:defRPr>
     </a:lvl9pPr>
   </p:defaultTextStyle>
+  <p:extLst>
+    <p:ext uri="{EFAFB233-063F-42B5-8137-9DF3F51BA10A}">
+      <p15:sldGuideLst xmlns:p15="http://schemas.microsoft.com/office/powerpoint/2012/main"/>
+    </p:ext>
+  </p:extLst>
 </p:presentation>
 </file>
 
@@ -285,7 +290,7 @@
           <a:p>
             <a:fld id="{7149F1BB-BCA0-3143-AEE1-075D7C0D710C}" type="datetimeFigureOut">
               <a:rPr lang="es-ES_tradnl" smtClean="0"/>
-              <a:t>7/9/17</a:t>
+              <a:t>8/9/17</a:t>
             </a:fld>
             <a:endParaRPr lang="es-ES_tradnl"/>
           </a:p>
@@ -615,7 +620,7 @@
           <a:p>
             <a:fld id="{7149F1BB-BCA0-3143-AEE1-075D7C0D710C}" type="datetimeFigureOut">
               <a:rPr lang="es-ES_tradnl" smtClean="0"/>
-              <a:t>7/9/17</a:t>
+              <a:t>8/9/17</a:t>
             </a:fld>
             <a:endParaRPr lang="es-ES_tradnl"/>
           </a:p>
@@ -795,7 +800,7 @@
           <a:p>
             <a:fld id="{7149F1BB-BCA0-3143-AEE1-075D7C0D710C}" type="datetimeFigureOut">
               <a:rPr lang="es-ES_tradnl" smtClean="0"/>
-              <a:t>7/9/17</a:t>
+              <a:t>8/9/17</a:t>
             </a:fld>
             <a:endParaRPr lang="es-ES_tradnl"/>
           </a:p>
@@ -965,7 +970,7 @@
           <a:p>
             <a:fld id="{7149F1BB-BCA0-3143-AEE1-075D7C0D710C}" type="datetimeFigureOut">
               <a:rPr lang="es-ES_tradnl" smtClean="0"/>
-              <a:t>7/9/17</a:t>
+              <a:t>8/9/17</a:t>
             </a:fld>
             <a:endParaRPr lang="es-ES_tradnl"/>
           </a:p>
@@ -1242,7 +1247,7 @@
           <a:p>
             <a:fld id="{7149F1BB-BCA0-3143-AEE1-075D7C0D710C}" type="datetimeFigureOut">
               <a:rPr lang="es-ES_tradnl" smtClean="0"/>
-              <a:t>7/9/17</a:t>
+              <a:t>8/9/17</a:t>
             </a:fld>
             <a:endParaRPr lang="es-ES_tradnl"/>
           </a:p>
@@ -1636,7 +1641,7 @@
           <a:p>
             <a:fld id="{7149F1BB-BCA0-3143-AEE1-075D7C0D710C}" type="datetimeFigureOut">
               <a:rPr lang="es-ES_tradnl" smtClean="0"/>
-              <a:t>7/9/17</a:t>
+              <a:t>8/9/17</a:t>
             </a:fld>
             <a:endParaRPr lang="es-ES_tradnl"/>
           </a:p>
@@ -2113,7 +2118,7 @@
           <a:p>
             <a:fld id="{7149F1BB-BCA0-3143-AEE1-075D7C0D710C}" type="datetimeFigureOut">
               <a:rPr lang="es-ES_tradnl" smtClean="0"/>
-              <a:t>7/9/17</a:t>
+              <a:t>8/9/17</a:t>
             </a:fld>
             <a:endParaRPr lang="es-ES_tradnl"/>
           </a:p>
@@ -2231,7 +2236,7 @@
           <a:p>
             <a:fld id="{7149F1BB-BCA0-3143-AEE1-075D7C0D710C}" type="datetimeFigureOut">
               <a:rPr lang="es-ES_tradnl" smtClean="0"/>
-              <a:t>7/9/17</a:t>
+              <a:t>8/9/17</a:t>
             </a:fld>
             <a:endParaRPr lang="es-ES_tradnl"/>
           </a:p>
@@ -2326,7 +2331,7 @@
           <a:p>
             <a:fld id="{7149F1BB-BCA0-3143-AEE1-075D7C0D710C}" type="datetimeFigureOut">
               <a:rPr lang="es-ES_tradnl" smtClean="0"/>
-              <a:t>7/9/17</a:t>
+              <a:t>8/9/17</a:t>
             </a:fld>
             <a:endParaRPr lang="es-ES_tradnl"/>
           </a:p>
@@ -2672,7 +2677,7 @@
           <a:p>
             <a:fld id="{7149F1BB-BCA0-3143-AEE1-075D7C0D710C}" type="datetimeFigureOut">
               <a:rPr lang="es-ES_tradnl" smtClean="0"/>
-              <a:t>7/9/17</a:t>
+              <a:t>8/9/17</a:t>
             </a:fld>
             <a:endParaRPr lang="es-ES_tradnl"/>
           </a:p>
@@ -3060,7 +3065,7 @@
           <a:p>
             <a:fld id="{7149F1BB-BCA0-3143-AEE1-075D7C0D710C}" type="datetimeFigureOut">
               <a:rPr lang="es-ES_tradnl" smtClean="0"/>
-              <a:t>7/9/17</a:t>
+              <a:t>8/9/17</a:t>
             </a:fld>
             <a:endParaRPr lang="es-ES_tradnl"/>
           </a:p>
@@ -3338,7 +3343,7 @@
           <a:p>
             <a:fld id="{7149F1BB-BCA0-3143-AEE1-075D7C0D710C}" type="datetimeFigureOut">
               <a:rPr lang="es-ES_tradnl" smtClean="0"/>
-              <a:t>7/9/17</a:t>
+              <a:t>8/9/17</a:t>
             </a:fld>
             <a:endParaRPr lang="es-ES_tradnl"/>
           </a:p>
@@ -4080,7 +4085,7 @@
         </p:blipFill>
         <p:spPr>
           <a:xfrm>
-            <a:off x="2585580" y="3219189"/>
+            <a:off x="2585579" y="3084534"/>
             <a:ext cx="7546932" cy="3773466"/>
           </a:xfrm>
           <a:prstGeom prst="rect">
